--- a/docs/plan.pptx
+++ b/docs/plan.pptx
@@ -6,8 +6,13 @@
   </p:sldMasterIdLst>
   <p:sldIdLst>
     <p:sldId id="256" r:id="rId2"/>
-    <p:sldId id="257" r:id="rId3"/>
-    <p:sldId id="258" r:id="rId4"/>
+    <p:sldId id="263" r:id="rId3"/>
+    <p:sldId id="257" r:id="rId4"/>
+    <p:sldId id="258" r:id="rId5"/>
+    <p:sldId id="259" r:id="rId6"/>
+    <p:sldId id="260" r:id="rId7"/>
+    <p:sldId id="261" r:id="rId8"/>
+    <p:sldId id="262" r:id="rId9"/>
   </p:sldIdLst>
   <p:sldSz cx="12192000" cy="6858000"/>
   <p:notesSz cx="6858000" cy="9144000"/>
@@ -106,6 +111,11 @@
       </a:defRPr>
     </a:lvl9pPr>
   </p:defaultTextStyle>
+  <p:extLst>
+    <p:ext uri="{EFAFB233-063F-42B5-8137-9DF3F51BA10A}">
+      <p15:sldGuideLst xmlns:p15="http://schemas.microsoft.com/office/powerpoint/2012/main"/>
+    </p:ext>
+  </p:extLst>
 </p:presentation>
 </file>
 
@@ -256,7 +266,7 @@
           <a:p>
             <a:fld id="{2EE5EF10-3D11-419F-A8C1-99878D53651A}" type="datetimeFigureOut">
               <a:rPr lang="en-US" smtClean="0"/>
-              <a:t>1/25/2021</a:t>
+              <a:t>2/1/2021</a:t>
             </a:fld>
             <a:endParaRPr lang="en-US"/>
           </a:p>
@@ -454,7 +464,7 @@
           <a:p>
             <a:fld id="{2EE5EF10-3D11-419F-A8C1-99878D53651A}" type="datetimeFigureOut">
               <a:rPr lang="en-US" smtClean="0"/>
-              <a:t>1/25/2021</a:t>
+              <a:t>2/1/2021</a:t>
             </a:fld>
             <a:endParaRPr lang="en-US"/>
           </a:p>
@@ -662,7 +672,7 @@
           <a:p>
             <a:fld id="{2EE5EF10-3D11-419F-A8C1-99878D53651A}" type="datetimeFigureOut">
               <a:rPr lang="en-US" smtClean="0"/>
-              <a:t>1/25/2021</a:t>
+              <a:t>2/1/2021</a:t>
             </a:fld>
             <a:endParaRPr lang="en-US"/>
           </a:p>
@@ -860,7 +870,7 @@
           <a:p>
             <a:fld id="{2EE5EF10-3D11-419F-A8C1-99878D53651A}" type="datetimeFigureOut">
               <a:rPr lang="en-US" smtClean="0"/>
-              <a:t>1/25/2021</a:t>
+              <a:t>2/1/2021</a:t>
             </a:fld>
             <a:endParaRPr lang="en-US"/>
           </a:p>
@@ -1135,7 +1145,7 @@
           <a:p>
             <a:fld id="{2EE5EF10-3D11-419F-A8C1-99878D53651A}" type="datetimeFigureOut">
               <a:rPr lang="en-US" smtClean="0"/>
-              <a:t>1/25/2021</a:t>
+              <a:t>2/1/2021</a:t>
             </a:fld>
             <a:endParaRPr lang="en-US"/>
           </a:p>
@@ -1400,7 +1410,7 @@
           <a:p>
             <a:fld id="{2EE5EF10-3D11-419F-A8C1-99878D53651A}" type="datetimeFigureOut">
               <a:rPr lang="en-US" smtClean="0"/>
-              <a:t>1/25/2021</a:t>
+              <a:t>2/1/2021</a:t>
             </a:fld>
             <a:endParaRPr lang="en-US"/>
           </a:p>
@@ -1812,7 +1822,7 @@
           <a:p>
             <a:fld id="{2EE5EF10-3D11-419F-A8C1-99878D53651A}" type="datetimeFigureOut">
               <a:rPr lang="en-US" smtClean="0"/>
-              <a:t>1/25/2021</a:t>
+              <a:t>2/1/2021</a:t>
             </a:fld>
             <a:endParaRPr lang="en-US"/>
           </a:p>
@@ -1953,7 +1963,7 @@
           <a:p>
             <a:fld id="{2EE5EF10-3D11-419F-A8C1-99878D53651A}" type="datetimeFigureOut">
               <a:rPr lang="en-US" smtClean="0"/>
-              <a:t>1/25/2021</a:t>
+              <a:t>2/1/2021</a:t>
             </a:fld>
             <a:endParaRPr lang="en-US"/>
           </a:p>
@@ -2066,7 +2076,7 @@
           <a:p>
             <a:fld id="{2EE5EF10-3D11-419F-A8C1-99878D53651A}" type="datetimeFigureOut">
               <a:rPr lang="en-US" smtClean="0"/>
-              <a:t>1/25/2021</a:t>
+              <a:t>2/1/2021</a:t>
             </a:fld>
             <a:endParaRPr lang="en-US"/>
           </a:p>
@@ -2377,7 +2387,7 @@
           <a:p>
             <a:fld id="{2EE5EF10-3D11-419F-A8C1-99878D53651A}" type="datetimeFigureOut">
               <a:rPr lang="en-US" smtClean="0"/>
-              <a:t>1/25/2021</a:t>
+              <a:t>2/1/2021</a:t>
             </a:fld>
             <a:endParaRPr lang="en-US"/>
           </a:p>
@@ -2665,7 +2675,7 @@
           <a:p>
             <a:fld id="{2EE5EF10-3D11-419F-A8C1-99878D53651A}" type="datetimeFigureOut">
               <a:rPr lang="en-US" smtClean="0"/>
-              <a:t>1/25/2021</a:t>
+              <a:t>2/1/2021</a:t>
             </a:fld>
             <a:endParaRPr lang="en-US"/>
           </a:p>
@@ -2906,7 +2916,7 @@
           <a:p>
             <a:fld id="{2EE5EF10-3D11-419F-A8C1-99878D53651A}" type="datetimeFigureOut">
               <a:rPr lang="en-US" smtClean="0"/>
-              <a:t>1/25/2021</a:t>
+              <a:t>2/1/2021</a:t>
             </a:fld>
             <a:endParaRPr lang="en-US"/>
           </a:p>
@@ -3778,120 +3788,10 @@
           <a:chExt cx="0" cy="0"/>
         </a:xfrm>
       </p:grpSpPr>
-      <p:sp>
-        <p:nvSpPr>
-          <p:cNvPr id="2" name="Title 1">
-            <a:extLst>
-              <a:ext uri="{FF2B5EF4-FFF2-40B4-BE49-F238E27FC236}">
-                <a16:creationId xmlns:a16="http://schemas.microsoft.com/office/drawing/2014/main" id="{D7A66175-A0AD-4F54-9037-FD8B876ACF52}"/>
-              </a:ext>
-            </a:extLst>
-          </p:cNvPr>
-          <p:cNvSpPr>
-            <a:spLocks noGrp="1"/>
-          </p:cNvSpPr>
-          <p:nvPr>
-            <p:ph type="title"/>
-          </p:nvPr>
-        </p:nvSpPr>
-        <p:spPr/>
-        <p:txBody>
-          <a:bodyPr/>
-          <a:lstStyle/>
-          <a:p>
-            <a:r>
-              <a:rPr lang="en-US" dirty="0"/>
-              <a:t>Simple control system</a:t>
-            </a:r>
-          </a:p>
-        </p:txBody>
-      </p:sp>
-      <p:sp>
-        <p:nvSpPr>
-          <p:cNvPr id="3" name="Content Placeholder 2">
-            <a:extLst>
-              <a:ext uri="{FF2B5EF4-FFF2-40B4-BE49-F238E27FC236}">
-                <a16:creationId xmlns:a16="http://schemas.microsoft.com/office/drawing/2014/main" id="{C2C79370-DC47-4418-8951-637493398ED7}"/>
-              </a:ext>
-            </a:extLst>
-          </p:cNvPr>
-          <p:cNvSpPr>
-            <a:spLocks noGrp="1"/>
-          </p:cNvSpPr>
-          <p:nvPr>
-            <p:ph idx="1"/>
-          </p:nvPr>
-        </p:nvSpPr>
-        <p:spPr/>
-        <p:txBody>
-          <a:bodyPr/>
-          <a:lstStyle/>
-          <a:p>
-            <a:r>
-              <a:rPr lang="en-US" dirty="0"/>
-              <a:t>A learning sender</a:t>
-            </a:r>
-          </a:p>
-          <a:p>
-            <a:r>
-              <a:rPr lang="en-US" dirty="0"/>
-              <a:t>The </a:t>
-            </a:r>
-            <a:r>
-              <a:rPr lang="en-US" dirty="0" err="1"/>
-              <a:t>bbr</a:t>
-            </a:r>
-            <a:r>
-              <a:rPr lang="en-US" dirty="0"/>
-              <a:t> system has </a:t>
-            </a:r>
-            <a:r>
-              <a:rPr lang="en-US" dirty="0" err="1"/>
-              <a:t>adhoc</a:t>
-            </a:r>
-            <a:r>
-              <a:rPr lang="en-US" dirty="0"/>
-              <a:t> assumptions</a:t>
-            </a:r>
-          </a:p>
-          <a:p>
-            <a:r>
-              <a:rPr lang="en-US" dirty="0"/>
-              <a:t>Learn noise</a:t>
-            </a:r>
-          </a:p>
-          <a:p>
-            <a:r>
-              <a:rPr lang="en-US" dirty="0"/>
-              <a:t>Getting a large </a:t>
-            </a:r>
-            <a:r>
-              <a:rPr lang="en-US" dirty="0" err="1"/>
-              <a:t>ttl</a:t>
-            </a:r>
-            <a:r>
-              <a:rPr lang="en-US" dirty="0"/>
-              <a:t> does not reflect network congestion properly</a:t>
-            </a:r>
-          </a:p>
-          <a:p>
-            <a:r>
-              <a:rPr lang="en-US" dirty="0"/>
-              <a:t>Beliefs that can adapt fast. Round trip time bounds given a path.</a:t>
-            </a:r>
-          </a:p>
-          <a:p>
-            <a:r>
-              <a:rPr lang="en-US" dirty="0"/>
-              <a:t>How can we estimate the actual roundtrip time.</a:t>
-            </a:r>
-          </a:p>
-        </p:txBody>
-      </p:sp>
     </p:spTree>
     <p:extLst>
       <p:ext uri="{BB962C8B-B14F-4D97-AF65-F5344CB8AC3E}">
-        <p14:creationId xmlns:p14="http://schemas.microsoft.com/office/powerpoint/2010/main" val="735025012"/>
+        <p14:creationId xmlns:p14="http://schemas.microsoft.com/office/powerpoint/2010/main" val="3715110427"/>
       </p:ext>
     </p:extLst>
   </p:cSld>
@@ -3923,6 +3823,146 @@
           <p:cNvPr id="2" name="Title 1">
             <a:extLst>
               <a:ext uri="{FF2B5EF4-FFF2-40B4-BE49-F238E27FC236}">
+                <a16:creationId xmlns:a16="http://schemas.microsoft.com/office/drawing/2014/main" id="{D7A66175-A0AD-4F54-9037-FD8B876ACF52}"/>
+              </a:ext>
+            </a:extLst>
+          </p:cNvPr>
+          <p:cNvSpPr>
+            <a:spLocks noGrp="1"/>
+          </p:cNvSpPr>
+          <p:nvPr>
+            <p:ph type="title"/>
+          </p:nvPr>
+        </p:nvSpPr>
+        <p:spPr/>
+        <p:txBody>
+          <a:bodyPr/>
+          <a:lstStyle/>
+          <a:p>
+            <a:r>
+              <a:rPr lang="en-US" dirty="0"/>
+              <a:t>Simple control system</a:t>
+            </a:r>
+          </a:p>
+        </p:txBody>
+      </p:sp>
+      <p:sp>
+        <p:nvSpPr>
+          <p:cNvPr id="3" name="Content Placeholder 2">
+            <a:extLst>
+              <a:ext uri="{FF2B5EF4-FFF2-40B4-BE49-F238E27FC236}">
+                <a16:creationId xmlns:a16="http://schemas.microsoft.com/office/drawing/2014/main" id="{C2C79370-DC47-4418-8951-637493398ED7}"/>
+              </a:ext>
+            </a:extLst>
+          </p:cNvPr>
+          <p:cNvSpPr>
+            <a:spLocks noGrp="1"/>
+          </p:cNvSpPr>
+          <p:nvPr>
+            <p:ph idx="1"/>
+          </p:nvPr>
+        </p:nvSpPr>
+        <p:spPr/>
+        <p:txBody>
+          <a:bodyPr/>
+          <a:lstStyle/>
+          <a:p>
+            <a:r>
+              <a:rPr lang="en-US" dirty="0"/>
+              <a:t>A learning sender</a:t>
+            </a:r>
+          </a:p>
+          <a:p>
+            <a:r>
+              <a:rPr lang="en-US" dirty="0"/>
+              <a:t>The </a:t>
+            </a:r>
+            <a:r>
+              <a:rPr lang="en-US" dirty="0" err="1"/>
+              <a:t>bbr</a:t>
+            </a:r>
+            <a:r>
+              <a:rPr lang="en-US" dirty="0"/>
+              <a:t> system has </a:t>
+            </a:r>
+            <a:r>
+              <a:rPr lang="en-US" dirty="0" err="1"/>
+              <a:t>adhoc</a:t>
+            </a:r>
+            <a:r>
+              <a:rPr lang="en-US" dirty="0"/>
+              <a:t> assumptions</a:t>
+            </a:r>
+          </a:p>
+          <a:p>
+            <a:r>
+              <a:rPr lang="en-US" dirty="0"/>
+              <a:t>Learn noise</a:t>
+            </a:r>
+          </a:p>
+          <a:p>
+            <a:r>
+              <a:rPr lang="en-US" dirty="0"/>
+              <a:t>Getting a large </a:t>
+            </a:r>
+            <a:r>
+              <a:rPr lang="en-US" dirty="0" err="1"/>
+              <a:t>ttl</a:t>
+            </a:r>
+            <a:r>
+              <a:rPr lang="en-US" dirty="0"/>
+              <a:t> does not reflect network congestion properly</a:t>
+            </a:r>
+          </a:p>
+          <a:p>
+            <a:r>
+              <a:rPr lang="en-US" dirty="0"/>
+              <a:t>Beliefs that can adapt fast. Round trip time bounds given a path.</a:t>
+            </a:r>
+          </a:p>
+          <a:p>
+            <a:r>
+              <a:rPr lang="en-US" dirty="0"/>
+              <a:t>How can we estimate the actual roundtrip time.</a:t>
+            </a:r>
+          </a:p>
+        </p:txBody>
+      </p:sp>
+    </p:spTree>
+    <p:extLst>
+      <p:ext uri="{BB962C8B-B14F-4D97-AF65-F5344CB8AC3E}">
+        <p14:creationId xmlns:p14="http://schemas.microsoft.com/office/powerpoint/2010/main" val="735025012"/>
+      </p:ext>
+    </p:extLst>
+  </p:cSld>
+  <p:clrMapOvr>
+    <a:masterClrMapping/>
+  </p:clrMapOvr>
+</p:sld>
+</file>
+
+<file path=ppt/slides/slide4.xml><?xml version="1.0" encoding="utf-8"?>
+<p:sld xmlns:a="http://schemas.openxmlformats.org/drawingml/2006/main" xmlns:r="http://schemas.openxmlformats.org/officeDocument/2006/relationships" xmlns:p="http://schemas.openxmlformats.org/presentationml/2006/main">
+  <p:cSld>
+    <p:spTree>
+      <p:nvGrpSpPr>
+        <p:cNvPr id="1" name=""/>
+        <p:cNvGrpSpPr/>
+        <p:nvPr/>
+      </p:nvGrpSpPr>
+      <p:grpSpPr>
+        <a:xfrm>
+          <a:off x="0" y="0"/>
+          <a:ext cx="0" cy="0"/>
+          <a:chOff x="0" y="0"/>
+          <a:chExt cx="0" cy="0"/>
+        </a:xfrm>
+      </p:grpSpPr>
+      <p:sp>
+        <p:nvSpPr>
+          <p:cNvPr id="2" name="Title 1">
+            <a:extLst>
+              <a:ext uri="{FF2B5EF4-FFF2-40B4-BE49-F238E27FC236}">
                 <a16:creationId xmlns:a16="http://schemas.microsoft.com/office/drawing/2014/main" id="{F0001DEC-9C9F-4990-BD0D-66AF656B129A}"/>
               </a:ext>
             </a:extLst>
@@ -3967,7 +4007,10 @@
           <a:bodyPr/>
           <a:lstStyle/>
           <a:p>
-            <a:endParaRPr lang="en-US" dirty="0"/>
+            <a:r>
+              <a:rPr lang="en-US" dirty="0"/>
+              <a:t>Multi-node network.</a:t>
+            </a:r>
           </a:p>
         </p:txBody>
       </p:sp>
@@ -3975,6 +4018,515 @@
     <p:extLst>
       <p:ext uri="{BB962C8B-B14F-4D97-AF65-F5344CB8AC3E}">
         <p14:creationId xmlns:p14="http://schemas.microsoft.com/office/powerpoint/2010/main" val="1237382692"/>
+      </p:ext>
+    </p:extLst>
+  </p:cSld>
+  <p:clrMapOvr>
+    <a:masterClrMapping/>
+  </p:clrMapOvr>
+</p:sld>
+</file>
+
+<file path=ppt/slides/slide5.xml><?xml version="1.0" encoding="utf-8"?>
+<p:sld xmlns:a="http://schemas.openxmlformats.org/drawingml/2006/main" xmlns:r="http://schemas.openxmlformats.org/officeDocument/2006/relationships" xmlns:p="http://schemas.openxmlformats.org/presentationml/2006/main">
+  <p:cSld>
+    <p:spTree>
+      <p:nvGrpSpPr>
+        <p:cNvPr id="1" name=""/>
+        <p:cNvGrpSpPr/>
+        <p:nvPr/>
+      </p:nvGrpSpPr>
+      <p:grpSpPr>
+        <a:xfrm>
+          <a:off x="0" y="0"/>
+          <a:ext cx="0" cy="0"/>
+          <a:chOff x="0" y="0"/>
+          <a:chExt cx="0" cy="0"/>
+        </a:xfrm>
+      </p:grpSpPr>
+      <p:sp>
+        <p:nvSpPr>
+          <p:cNvPr id="2" name="Title 1">
+            <a:extLst>
+              <a:ext uri="{FF2B5EF4-FFF2-40B4-BE49-F238E27FC236}">
+                <a16:creationId xmlns:a16="http://schemas.microsoft.com/office/drawing/2014/main" id="{AEA3768C-DCDB-44C8-94AE-55B9D9247B2A}"/>
+              </a:ext>
+            </a:extLst>
+          </p:cNvPr>
+          <p:cNvSpPr>
+            <a:spLocks noGrp="1"/>
+          </p:cNvSpPr>
+          <p:nvPr>
+            <p:ph type="title"/>
+          </p:nvPr>
+        </p:nvSpPr>
+        <p:spPr/>
+        <p:txBody>
+          <a:bodyPr/>
+          <a:lstStyle/>
+          <a:p>
+            <a:r>
+              <a:rPr lang="en-US" dirty="0"/>
+              <a:t>NS3</a:t>
+            </a:r>
+          </a:p>
+        </p:txBody>
+      </p:sp>
+      <p:sp>
+        <p:nvSpPr>
+          <p:cNvPr id="3" name="Content Placeholder 2">
+            <a:extLst>
+              <a:ext uri="{FF2B5EF4-FFF2-40B4-BE49-F238E27FC236}">
+                <a16:creationId xmlns:a16="http://schemas.microsoft.com/office/drawing/2014/main" id="{ABB93275-C4B1-4CE1-A2F4-A08CAD61C6AA}"/>
+              </a:ext>
+            </a:extLst>
+          </p:cNvPr>
+          <p:cNvSpPr>
+            <a:spLocks noGrp="1"/>
+          </p:cNvSpPr>
+          <p:nvPr>
+            <p:ph idx="1"/>
+          </p:nvPr>
+        </p:nvSpPr>
+        <p:spPr/>
+        <p:txBody>
+          <a:bodyPr/>
+          <a:lstStyle/>
+          <a:p>
+            <a:r>
+              <a:rPr lang="en-US" dirty="0"/>
+              <a:t>Do the </a:t>
+            </a:r>
+            <a:r>
+              <a:rPr lang="en-US"/>
+              <a:t>same operations on NS3</a:t>
+            </a:r>
+          </a:p>
+        </p:txBody>
+      </p:sp>
+    </p:spTree>
+    <p:extLst>
+      <p:ext uri="{BB962C8B-B14F-4D97-AF65-F5344CB8AC3E}">
+        <p14:creationId xmlns:p14="http://schemas.microsoft.com/office/powerpoint/2010/main" val="2992061113"/>
+      </p:ext>
+    </p:extLst>
+  </p:cSld>
+  <p:clrMapOvr>
+    <a:masterClrMapping/>
+  </p:clrMapOvr>
+</p:sld>
+</file>
+
+<file path=ppt/slides/slide6.xml><?xml version="1.0" encoding="utf-8"?>
+<p:sld xmlns:a="http://schemas.openxmlformats.org/drawingml/2006/main" xmlns:r="http://schemas.openxmlformats.org/officeDocument/2006/relationships" xmlns:p="http://schemas.openxmlformats.org/presentationml/2006/main">
+  <p:cSld>
+    <p:spTree>
+      <p:nvGrpSpPr>
+        <p:cNvPr id="1" name=""/>
+        <p:cNvGrpSpPr/>
+        <p:nvPr/>
+      </p:nvGrpSpPr>
+      <p:grpSpPr>
+        <a:xfrm>
+          <a:off x="0" y="0"/>
+          <a:ext cx="0" cy="0"/>
+          <a:chOff x="0" y="0"/>
+          <a:chExt cx="0" cy="0"/>
+        </a:xfrm>
+      </p:grpSpPr>
+      <p:sp>
+        <p:nvSpPr>
+          <p:cNvPr id="2" name="Title 1">
+            <a:extLst>
+              <a:ext uri="{FF2B5EF4-FFF2-40B4-BE49-F238E27FC236}">
+                <a16:creationId xmlns:a16="http://schemas.microsoft.com/office/drawing/2014/main" id="{C3954B47-38DB-4A5D-BE23-3D53A4FDC082}"/>
+              </a:ext>
+            </a:extLst>
+          </p:cNvPr>
+          <p:cNvSpPr>
+            <a:spLocks noGrp="1"/>
+          </p:cNvSpPr>
+          <p:nvPr>
+            <p:ph type="title"/>
+          </p:nvPr>
+        </p:nvSpPr>
+        <p:spPr/>
+        <p:txBody>
+          <a:bodyPr/>
+          <a:lstStyle/>
+          <a:p>
+            <a:r>
+              <a:rPr lang="en-US" dirty="0"/>
+              <a:t>What does a sender know about traffic?</a:t>
+            </a:r>
+          </a:p>
+        </p:txBody>
+      </p:sp>
+      <p:sp>
+        <p:nvSpPr>
+          <p:cNvPr id="3" name="Content Placeholder 2">
+            <a:extLst>
+              <a:ext uri="{FF2B5EF4-FFF2-40B4-BE49-F238E27FC236}">
+                <a16:creationId xmlns:a16="http://schemas.microsoft.com/office/drawing/2014/main" id="{2B55E802-4A84-471D-91CF-635329A5EEAF}"/>
+              </a:ext>
+            </a:extLst>
+          </p:cNvPr>
+          <p:cNvSpPr>
+            <a:spLocks noGrp="1"/>
+          </p:cNvSpPr>
+          <p:nvPr>
+            <p:ph idx="1"/>
+          </p:nvPr>
+        </p:nvSpPr>
+        <p:spPr/>
+        <p:txBody>
+          <a:bodyPr>
+            <a:normAutofit lnSpcReduction="10000"/>
+          </a:bodyPr>
+          <a:lstStyle/>
+          <a:p>
+            <a:r>
+              <a:rPr lang="en-US" dirty="0"/>
+              <a:t>Source</a:t>
+            </a:r>
+          </a:p>
+          <a:p>
+            <a:r>
+              <a:rPr lang="en-US" dirty="0"/>
+              <a:t>Destination (might be our path identifier at a given period)</a:t>
+            </a:r>
+          </a:p>
+          <a:p>
+            <a:r>
+              <a:rPr lang="en-US" dirty="0"/>
+              <a:t>Date and time</a:t>
+            </a:r>
+          </a:p>
+          <a:p>
+            <a:r>
+              <a:rPr lang="en-US" dirty="0"/>
+              <a:t>Packet distribution over several factors</a:t>
+            </a:r>
+          </a:p>
+          <a:p>
+            <a:r>
+              <a:rPr lang="en-US" dirty="0"/>
+              <a:t>RTT</a:t>
+            </a:r>
+          </a:p>
+          <a:p>
+            <a:r>
+              <a:rPr lang="en-US" dirty="0"/>
+              <a:t>Neither </a:t>
+            </a:r>
+            <a:r>
+              <a:rPr lang="en-US" dirty="0" err="1"/>
+              <a:t>RTProp</a:t>
+            </a:r>
+            <a:r>
+              <a:rPr lang="en-US" dirty="0"/>
+              <a:t>, nor </a:t>
+            </a:r>
+            <a:r>
+              <a:rPr lang="en-US" dirty="0" err="1"/>
+              <a:t>BtlBw</a:t>
+            </a:r>
+            <a:endParaRPr lang="en-US" dirty="0"/>
+          </a:p>
+          <a:p>
+            <a:r>
+              <a:rPr lang="en-US" dirty="0"/>
+              <a:t>IP addresses, ports of source and </a:t>
+            </a:r>
+            <a:r>
+              <a:rPr lang="en-US" dirty="0" err="1"/>
+              <a:t>dest</a:t>
+            </a:r>
+            <a:r>
+              <a:rPr lang="en-US" dirty="0"/>
+              <a:t>, ethernet addresses of source but not always the </a:t>
+            </a:r>
+            <a:r>
+              <a:rPr lang="en-US" dirty="0" err="1"/>
+              <a:t>dest</a:t>
+            </a:r>
+            <a:r>
+              <a:rPr lang="en-US" dirty="0"/>
+              <a:t> (indirect communication).</a:t>
+            </a:r>
+          </a:p>
+          <a:p>
+            <a:r>
+              <a:rPr lang="en-US" dirty="0"/>
+              <a:t>Does it know about the ACK strategy? </a:t>
+            </a:r>
+          </a:p>
+          <a:p>
+            <a:endParaRPr lang="en-US" dirty="0"/>
+          </a:p>
+        </p:txBody>
+      </p:sp>
+    </p:spTree>
+    <p:extLst>
+      <p:ext uri="{BB962C8B-B14F-4D97-AF65-F5344CB8AC3E}">
+        <p14:creationId xmlns:p14="http://schemas.microsoft.com/office/powerpoint/2010/main" val="1568660924"/>
+      </p:ext>
+    </p:extLst>
+  </p:cSld>
+  <p:clrMapOvr>
+    <a:masterClrMapping/>
+  </p:clrMapOvr>
+</p:sld>
+</file>
+
+<file path=ppt/slides/slide7.xml><?xml version="1.0" encoding="utf-8"?>
+<p:sld xmlns:a="http://schemas.openxmlformats.org/drawingml/2006/main" xmlns:r="http://schemas.openxmlformats.org/officeDocument/2006/relationships" xmlns:p="http://schemas.openxmlformats.org/presentationml/2006/main">
+  <p:cSld>
+    <p:spTree>
+      <p:nvGrpSpPr>
+        <p:cNvPr id="1" name=""/>
+        <p:cNvGrpSpPr/>
+        <p:nvPr/>
+      </p:nvGrpSpPr>
+      <p:grpSpPr>
+        <a:xfrm>
+          <a:off x="0" y="0"/>
+          <a:ext cx="0" cy="0"/>
+          <a:chOff x="0" y="0"/>
+          <a:chExt cx="0" cy="0"/>
+        </a:xfrm>
+      </p:grpSpPr>
+      <p:sp>
+        <p:nvSpPr>
+          <p:cNvPr id="2" name="Title 1">
+            <a:extLst>
+              <a:ext uri="{FF2B5EF4-FFF2-40B4-BE49-F238E27FC236}">
+                <a16:creationId xmlns:a16="http://schemas.microsoft.com/office/drawing/2014/main" id="{292456B9-B0D9-45EE-8B76-5DF4D0E454B7}"/>
+              </a:ext>
+            </a:extLst>
+          </p:cNvPr>
+          <p:cNvSpPr>
+            <a:spLocks noGrp="1"/>
+          </p:cNvSpPr>
+          <p:nvPr>
+            <p:ph type="title"/>
+          </p:nvPr>
+        </p:nvSpPr>
+        <p:spPr/>
+        <p:txBody>
+          <a:bodyPr/>
+          <a:lstStyle/>
+          <a:p>
+            <a:r>
+              <a:rPr lang="en-US" dirty="0"/>
+              <a:t>What is the goal RTT (=Actual </a:t>
+            </a:r>
+            <a:r>
+              <a:rPr lang="en-US" dirty="0" err="1"/>
+              <a:t>RTProp</a:t>
+            </a:r>
+            <a:r>
+              <a:rPr lang="en-US" dirty="0"/>
+              <a:t>?)</a:t>
+            </a:r>
+          </a:p>
+        </p:txBody>
+      </p:sp>
+      <p:sp>
+        <p:nvSpPr>
+          <p:cNvPr id="3" name="Content Placeholder 2">
+            <a:extLst>
+              <a:ext uri="{FF2B5EF4-FFF2-40B4-BE49-F238E27FC236}">
+                <a16:creationId xmlns:a16="http://schemas.microsoft.com/office/drawing/2014/main" id="{E8FA29E4-1A7F-4264-9AC6-02D49199ADB6}"/>
+              </a:ext>
+            </a:extLst>
+          </p:cNvPr>
+          <p:cNvSpPr>
+            <a:spLocks noGrp="1"/>
+          </p:cNvSpPr>
+          <p:nvPr>
+            <p:ph idx="1"/>
+          </p:nvPr>
+        </p:nvSpPr>
+        <p:spPr/>
+        <p:txBody>
+          <a:bodyPr/>
+          <a:lstStyle/>
+          <a:p>
+            <a:r>
+              <a:rPr lang="en-US" dirty="0"/>
+              <a:t>The goal RTT needs to be determined by a model which adapts fast</a:t>
+            </a:r>
+          </a:p>
+          <a:p>
+            <a:r>
+              <a:rPr lang="en-US" dirty="0"/>
+              <a:t>Adaption rate at a given state</a:t>
+            </a:r>
+          </a:p>
+          <a:p>
+            <a:r>
+              <a:rPr lang="en-US" dirty="0"/>
+              <a:t>Can we only think of estimating </a:t>
+            </a:r>
+            <a:r>
+              <a:rPr lang="en-US" dirty="0" err="1"/>
+              <a:t>RTProp</a:t>
+            </a:r>
+            <a:r>
+              <a:rPr lang="en-US" dirty="0"/>
+              <a:t> and optimizing goal RTT?</a:t>
+            </a:r>
+          </a:p>
+          <a:p>
+            <a:r>
+              <a:rPr lang="en-US" dirty="0"/>
+              <a:t>What can RTT trend in a short time span indicate?</a:t>
+            </a:r>
+          </a:p>
+          <a:p>
+            <a:r>
+              <a:rPr lang="en-US" dirty="0"/>
+              <a:t>Traffic changes based on the time on the day, day of the week, day of the month, or year, etc. Traffic changes based on real world events. Traffic also changes due to network topology and path selection process.</a:t>
+            </a:r>
+          </a:p>
+          <a:p>
+            <a:endParaRPr lang="en-US" dirty="0"/>
+          </a:p>
+        </p:txBody>
+      </p:sp>
+    </p:spTree>
+    <p:extLst>
+      <p:ext uri="{BB962C8B-B14F-4D97-AF65-F5344CB8AC3E}">
+        <p14:creationId xmlns:p14="http://schemas.microsoft.com/office/powerpoint/2010/main" val="181094999"/>
+      </p:ext>
+    </p:extLst>
+  </p:cSld>
+  <p:clrMapOvr>
+    <a:masterClrMapping/>
+  </p:clrMapOvr>
+</p:sld>
+</file>
+
+<file path=ppt/slides/slide8.xml><?xml version="1.0" encoding="utf-8"?>
+<p:sld xmlns:a="http://schemas.openxmlformats.org/drawingml/2006/main" xmlns:r="http://schemas.openxmlformats.org/officeDocument/2006/relationships" xmlns:p="http://schemas.openxmlformats.org/presentationml/2006/main">
+  <p:cSld>
+    <p:spTree>
+      <p:nvGrpSpPr>
+        <p:cNvPr id="1" name=""/>
+        <p:cNvGrpSpPr/>
+        <p:nvPr/>
+      </p:nvGrpSpPr>
+      <p:grpSpPr>
+        <a:xfrm>
+          <a:off x="0" y="0"/>
+          <a:ext cx="0" cy="0"/>
+          <a:chOff x="0" y="0"/>
+          <a:chExt cx="0" cy="0"/>
+        </a:xfrm>
+      </p:grpSpPr>
+      <p:sp>
+        <p:nvSpPr>
+          <p:cNvPr id="2" name="Title 1">
+            <a:extLst>
+              <a:ext uri="{FF2B5EF4-FFF2-40B4-BE49-F238E27FC236}">
+                <a16:creationId xmlns:a16="http://schemas.microsoft.com/office/drawing/2014/main" id="{D57EBDDF-4BE4-43A5-8630-5393E2EDF8B8}"/>
+              </a:ext>
+            </a:extLst>
+          </p:cNvPr>
+          <p:cNvSpPr>
+            <a:spLocks noGrp="1"/>
+          </p:cNvSpPr>
+          <p:nvPr>
+            <p:ph type="title"/>
+          </p:nvPr>
+        </p:nvSpPr>
+        <p:spPr/>
+        <p:txBody>
+          <a:bodyPr/>
+          <a:lstStyle/>
+          <a:p>
+            <a:r>
+              <a:rPr lang="en-US" dirty="0"/>
+              <a:t>BBR	</a:t>
+            </a:r>
+          </a:p>
+        </p:txBody>
+      </p:sp>
+      <p:sp>
+        <p:nvSpPr>
+          <p:cNvPr id="3" name="Content Placeholder 2">
+            <a:extLst>
+              <a:ext uri="{FF2B5EF4-FFF2-40B4-BE49-F238E27FC236}">
+                <a16:creationId xmlns:a16="http://schemas.microsoft.com/office/drawing/2014/main" id="{82FF8997-ED57-44EB-9EE7-F48217795F13}"/>
+              </a:ext>
+            </a:extLst>
+          </p:cNvPr>
+          <p:cNvSpPr>
+            <a:spLocks noGrp="1"/>
+          </p:cNvSpPr>
+          <p:nvPr>
+            <p:ph idx="1"/>
+          </p:nvPr>
+        </p:nvSpPr>
+        <p:spPr/>
+        <p:txBody>
+          <a:bodyPr/>
+          <a:lstStyle/>
+          <a:p>
+            <a:r>
+              <a:rPr lang="en-US" dirty="0"/>
+              <a:t>In a time window for a connection,</a:t>
+            </a:r>
+          </a:p>
+          <a:p>
+            <a:pPr lvl="1"/>
+            <a:r>
+              <a:rPr lang="en-US" dirty="0"/>
+              <a:t>Estimate </a:t>
+            </a:r>
+            <a:r>
+              <a:rPr lang="en-US" dirty="0" err="1"/>
+              <a:t>RTProp</a:t>
+            </a:r>
+            <a:endParaRPr lang="en-US" dirty="0"/>
+          </a:p>
+          <a:p>
+            <a:pPr lvl="1"/>
+            <a:r>
+              <a:rPr lang="en-US" dirty="0"/>
+              <a:t>Estimate </a:t>
+            </a:r>
+            <a:r>
+              <a:rPr lang="en-US" dirty="0" err="1"/>
+              <a:t>BtlBw</a:t>
+            </a:r>
+            <a:endParaRPr lang="en-US" dirty="0"/>
+          </a:p>
+          <a:p>
+            <a:pPr lvl="1"/>
+            <a:r>
+              <a:rPr lang="en-US" dirty="0"/>
+              <a:t>Estimate both only one at every ACK based on a check</a:t>
+            </a:r>
+          </a:p>
+          <a:p>
+            <a:pPr lvl="1"/>
+            <a:r>
+              <a:rPr lang="en-US" dirty="0"/>
+              <a:t>Pacing delivery</a:t>
+            </a:r>
+          </a:p>
+          <a:p>
+            <a:pPr lvl="1"/>
+            <a:endParaRPr lang="en-US" dirty="0"/>
+          </a:p>
+        </p:txBody>
+      </p:sp>
+    </p:spTree>
+    <p:extLst>
+      <p:ext uri="{BB962C8B-B14F-4D97-AF65-F5344CB8AC3E}">
+        <p14:creationId xmlns:p14="http://schemas.microsoft.com/office/powerpoint/2010/main" val="3122218331"/>
       </p:ext>
     </p:extLst>
   </p:cSld>
